--- a/Project/ADPG_Project_Presentation.pptx
+++ b/Project/ADPG_Project_Presentation.pptx
@@ -5667,7 +5667,7 @@
                   <a:schemeClr val="tx1"/>
                 </a:solidFill>
               </a:rPr>
-              <a:t>It cares to improve the priority of hit block when we get hot. </a:t>
+              <a:t>It cares to improve the priority of hit block when we get hit. </a:t>
             </a:r>
           </a:p>
           <a:p>
@@ -5684,7 +5684,7 @@
                   <a:schemeClr val="tx1"/>
                 </a:solidFill>
               </a:rPr>
-              <a:t>Possible policies are Highest Priority  in which it will be set to highest priority in block  where for Frequently Priority it will increase the priority by one value.</a:t>
+              <a:t>Possible policies are Highest Priority  in which it will be set to highest priority in block and for Frequently Priority it will increase the priority by one value.</a:t>
             </a:r>
           </a:p>
           <a:p>
